--- a/BBS.pptx
+++ b/BBS.pptx
@@ -224,7 +224,7 @@
           <a:p>
             <a:fld id="{9E66E19D-9E5B-4760-B8C2-A946F221136F}" type="datetimeFigureOut">
               <a:rPr lang="zh-TW" altLang="en-US" smtClean="0"/>
-              <a:t>2022/5/31</a:t>
+              <a:t>2022/6/21</a:t>
             </a:fld>
             <a:endParaRPr lang="zh-TW" altLang="en-US"/>
           </a:p>
@@ -801,7 +801,7 @@
           <a:p>
             <a:fld id="{09CD3A9F-CA0F-42DA-B049-02E51C6CD7A2}" type="datetimeFigureOut">
               <a:rPr lang="zh-TW" altLang="en-US" smtClean="0"/>
-              <a:t>2022/5/31</a:t>
+              <a:t>2022/6/21</a:t>
             </a:fld>
             <a:endParaRPr lang="zh-TW" altLang="en-US"/>
           </a:p>
@@ -1009,7 +1009,7 @@
           <a:p>
             <a:fld id="{09CD3A9F-CA0F-42DA-B049-02E51C6CD7A2}" type="datetimeFigureOut">
               <a:rPr lang="zh-TW" altLang="en-US" smtClean="0"/>
-              <a:t>2022/5/31</a:t>
+              <a:t>2022/6/21</a:t>
             </a:fld>
             <a:endParaRPr lang="zh-TW" altLang="en-US"/>
           </a:p>
@@ -1265,7 +1265,7 @@
           <a:p>
             <a:fld id="{09CD3A9F-CA0F-42DA-B049-02E51C6CD7A2}" type="datetimeFigureOut">
               <a:rPr lang="zh-TW" altLang="en-US" smtClean="0"/>
-              <a:t>2022/5/31</a:t>
+              <a:t>2022/6/21</a:t>
             </a:fld>
             <a:endParaRPr lang="zh-TW" altLang="en-US"/>
           </a:p>
@@ -1435,7 +1435,7 @@
           <a:p>
             <a:fld id="{09CD3A9F-CA0F-42DA-B049-02E51C6CD7A2}" type="datetimeFigureOut">
               <a:rPr lang="zh-TW" altLang="en-US" smtClean="0"/>
-              <a:t>2022/5/31</a:t>
+              <a:t>2022/6/21</a:t>
             </a:fld>
             <a:endParaRPr lang="zh-TW" altLang="en-US"/>
           </a:p>
@@ -1778,7 +1778,7 @@
           <a:p>
             <a:fld id="{09CD3A9F-CA0F-42DA-B049-02E51C6CD7A2}" type="datetimeFigureOut">
               <a:rPr lang="zh-TW" altLang="en-US" smtClean="0"/>
-              <a:t>2022/5/31</a:t>
+              <a:t>2022/6/21</a:t>
             </a:fld>
             <a:endParaRPr lang="zh-TW" altLang="en-US"/>
           </a:p>
@@ -2053,7 +2053,7 @@
           <a:p>
             <a:fld id="{09CD3A9F-CA0F-42DA-B049-02E51C6CD7A2}" type="datetimeFigureOut">
               <a:rPr lang="zh-TW" altLang="en-US" smtClean="0"/>
-              <a:t>2022/5/31</a:t>
+              <a:t>2022/6/21</a:t>
             </a:fld>
             <a:endParaRPr lang="zh-TW" altLang="en-US"/>
           </a:p>
@@ -2432,7 +2432,7 @@
           <a:p>
             <a:fld id="{09CD3A9F-CA0F-42DA-B049-02E51C6CD7A2}" type="datetimeFigureOut">
               <a:rPr lang="zh-TW" altLang="en-US" smtClean="0"/>
-              <a:t>2022/5/31</a:t>
+              <a:t>2022/6/21</a:t>
             </a:fld>
             <a:endParaRPr lang="zh-TW" altLang="en-US"/>
           </a:p>
@@ -2550,7 +2550,7 @@
           <a:p>
             <a:fld id="{09CD3A9F-CA0F-42DA-B049-02E51C6CD7A2}" type="datetimeFigureOut">
               <a:rPr lang="zh-TW" altLang="en-US" smtClean="0"/>
-              <a:t>2022/5/31</a:t>
+              <a:t>2022/6/21</a:t>
             </a:fld>
             <a:endParaRPr lang="zh-TW" altLang="en-US"/>
           </a:p>
@@ -2721,7 +2721,7 @@
           <a:p>
             <a:fld id="{09CD3A9F-CA0F-42DA-B049-02E51C6CD7A2}" type="datetimeFigureOut">
               <a:rPr lang="zh-TW" altLang="en-US" smtClean="0"/>
-              <a:t>2022/5/31</a:t>
+              <a:t>2022/6/21</a:t>
             </a:fld>
             <a:endParaRPr lang="zh-TW" altLang="en-US"/>
           </a:p>
@@ -3075,7 +3075,7 @@
           <a:p>
             <a:fld id="{09CD3A9F-CA0F-42DA-B049-02E51C6CD7A2}" type="datetimeFigureOut">
               <a:rPr lang="zh-TW" altLang="en-US" smtClean="0"/>
-              <a:t>2022/5/31</a:t>
+              <a:t>2022/6/21</a:t>
             </a:fld>
             <a:endParaRPr lang="zh-TW" altLang="en-US"/>
           </a:p>
@@ -3452,7 +3452,7 @@
           <a:p>
             <a:fld id="{09CD3A9F-CA0F-42DA-B049-02E51C6CD7A2}" type="datetimeFigureOut">
               <a:rPr lang="zh-TW" altLang="en-US" smtClean="0"/>
-              <a:t>2022/5/31</a:t>
+              <a:t>2022/6/21</a:t>
             </a:fld>
             <a:endParaRPr lang="zh-TW" altLang="en-US"/>
           </a:p>
@@ -3739,7 +3739,7 @@
           <a:p>
             <a:fld id="{09CD3A9F-CA0F-42DA-B049-02E51C6CD7A2}" type="datetimeFigureOut">
               <a:rPr lang="zh-TW" altLang="en-US" smtClean="0"/>
-              <a:t>2022/5/31</a:t>
+              <a:t>2022/6/21</a:t>
             </a:fld>
             <a:endParaRPr lang="zh-TW" altLang="en-US"/>
           </a:p>
@@ -4394,7 +4394,27 @@
           <a:bodyPr/>
           <a:lstStyle/>
           <a:p>
-            <a:endParaRPr lang="zh-TW" altLang="en-US"/>
+            <a:r>
+              <a:rPr lang="en-US" altLang="zh-TW" dirty="0"/>
+              <a:t> Shan Wang, Ming Yang, </a:t>
+            </a:r>
+            <a:r>
+              <a:rPr lang="en-US" altLang="zh-TW" dirty="0" err="1"/>
+              <a:t>Tingjian</a:t>
+            </a:r>
+            <a:r>
+              <a:rPr lang="en-US" altLang="zh-TW" dirty="0"/>
+              <a:t> Ge , Yan Luo , </a:t>
+            </a:r>
+            <a:r>
+              <a:rPr lang="en-US" altLang="zh-TW" dirty="0" err="1"/>
+              <a:t>Xinwen</a:t>
+            </a:r>
+            <a:r>
+              <a:rPr lang="en-US" altLang="zh-TW" dirty="0"/>
+              <a:t> Fu</a:t>
+            </a:r>
+            <a:endParaRPr lang="zh-TW" altLang="en-US" dirty="0"/>
           </a:p>
         </p:txBody>
       </p:sp>
@@ -7803,18 +7823,18 @@
 </file>
 
 <file path=customXml/item1.xml><?xml version="1.0" encoding="utf-8"?>
-<p:properties xmlns:p="http://schemas.microsoft.com/office/2006/metadata/properties" xmlns:xsi="http://www.w3.org/2001/XMLSchema-instance" xmlns:pc="http://schemas.microsoft.com/office/infopath/2007/PartnerControls">
-  <documentManagement/>
-</p:properties>
-</file>
-
-<file path=customXml/item2.xml><?xml version="1.0" encoding="utf-8"?>
 <?mso-contentType ?>
 <FormTemplates xmlns="http://schemas.microsoft.com/sharepoint/v3/contenttype/forms">
   <Display>DocumentLibraryForm</Display>
   <Edit>DocumentLibraryForm</Edit>
   <New>DocumentLibraryForm</New>
 </FormTemplates>
+</file>
+
+<file path=customXml/item2.xml><?xml version="1.0" encoding="utf-8"?>
+<p:properties xmlns:p="http://schemas.microsoft.com/office/2006/metadata/properties" xmlns:xsi="http://www.w3.org/2001/XMLSchema-instance" xmlns:pc="http://schemas.microsoft.com/office/infopath/2007/PartnerControls">
+  <documentManagement/>
+</p:properties>
 </file>
 
 <file path=customXml/item3.xml><?xml version="1.0" encoding="utf-8"?>
@@ -8008,6 +8028,14 @@
 </file>
 
 <file path=customXml/itemProps1.xml><?xml version="1.0" encoding="utf-8"?>
+<ds:datastoreItem xmlns:ds="http://schemas.openxmlformats.org/officeDocument/2006/customXml" ds:itemID="{BDB96FCC-3C6E-4FEB-8D2C-7497F7DC0A9F}">
+  <ds:schemaRefs>
+    <ds:schemaRef ds:uri="http://schemas.microsoft.com/sharepoint/v3/contenttype/forms"/>
+  </ds:schemaRefs>
+</ds:datastoreItem>
+</file>
+
+<file path=customXml/itemProps2.xml><?xml version="1.0" encoding="utf-8"?>
 <ds:datastoreItem xmlns:ds="http://schemas.openxmlformats.org/officeDocument/2006/customXml" ds:itemID="{FB90967B-6355-4809-B09E-FD6BB5F19CD4}">
   <ds:schemaRefs>
     <ds:schemaRef ds:uri="http://schemas.microsoft.com/office/infopath/2007/PartnerControls"/>
@@ -8019,14 +8047,6 @@
     <ds:schemaRef ds:uri="http://purl.org/dc/elements/1.1/"/>
     <ds:schemaRef ds:uri="http://schemas.openxmlformats.org/package/2006/metadata/core-properties"/>
     <ds:schemaRef ds:uri="b43de16d-b94a-4021-9de3-f2529713aa34"/>
-  </ds:schemaRefs>
-</ds:datastoreItem>
-</file>
-
-<file path=customXml/itemProps2.xml><?xml version="1.0" encoding="utf-8"?>
-<ds:datastoreItem xmlns:ds="http://schemas.openxmlformats.org/officeDocument/2006/customXml" ds:itemID="{BDB96FCC-3C6E-4FEB-8D2C-7497F7DC0A9F}">
-  <ds:schemaRefs>
-    <ds:schemaRef ds:uri="http://schemas.microsoft.com/sharepoint/v3/contenttype/forms"/>
   </ds:schemaRefs>
 </ds:datastoreItem>
 </file>
